--- a/DOC/4, Spring FrameWork/Spring MVC.pptx
+++ b/DOC/4, Spring FrameWork/Spring MVC.pptx
@@ -269,8 +269,11 @@
     </a:lvl9pPr>
   </p:defaultTextStyle>
   <p:extLst>
+    <p:ext uri="{EFAFB233-063F-42B5-8137-9DF3F51BA10A}">
+      <p15:sldGuideLst xmlns:p15="http://schemas.microsoft.com/office/powerpoint/2012/main"/>
+    </p:ext>
     <p:ext uri="http://customooxmlschemas.google.com/">
-      <go:slidesCustomData xmlns:go="http://customooxmlschemas.google.com/" xmlns:ahyp="http://schemas.microsoft.com/office/drawing/2018/hyperlinkcolor" xmlns:p15="http://schemas.microsoft.com/office/powerpoint/2012/main" xmlns:p14="http://schemas.microsoft.com/office/powerpoint/2010/main" xmlns:com="http://schemas.openxmlformats.org/drawingml/2006/compatibility" xmlns:pvml="urn:schemas-microsoft-com:office:powerpoint" xmlns:v="urn:schemas-microsoft-com:vml" xmlns:o="urn:schemas-microsoft-com:office:office" xmlns:dgm="http://schemas.openxmlformats.org/drawingml/2006/diagram" xmlns:c="http://schemas.openxmlformats.org/drawingml/2006/chart" xmlns:mv="urn:schemas-microsoft-com:mac:vml" xmlns:mc="http://schemas.openxmlformats.org/markup-compatibility/2006" xmlns="" r:id="rId34" roundtripDataSignature="AMtx7miR/nKbaZ+F6GM3BXk85kCS+ueLXA=="/>
+      <go:slidesCustomData xmlns="" xmlns:mc="http://schemas.openxmlformats.org/markup-compatibility/2006" xmlns:mv="urn:schemas-microsoft-com:mac:vml" xmlns:c="http://schemas.openxmlformats.org/drawingml/2006/chart" xmlns:dgm="http://schemas.openxmlformats.org/drawingml/2006/diagram" xmlns:o="urn:schemas-microsoft-com:office:office" xmlns:v="urn:schemas-microsoft-com:vml" xmlns:pvml="urn:schemas-microsoft-com:office:powerpoint" xmlns:com="http://schemas.openxmlformats.org/drawingml/2006/compatibility" xmlns:p14="http://schemas.microsoft.com/office/powerpoint/2010/main" xmlns:p15="http://schemas.microsoft.com/office/powerpoint/2012/main" xmlns:ahyp="http://schemas.microsoft.com/office/drawing/2018/hyperlinkcolor" xmlns:go="http://customooxmlschemas.google.com/" r:id="rId34" roundtripDataSignature="AMtx7miR/nKbaZ+F6GM3BXk85kCS+ueLXA=="/>
     </p:ext>
   </p:extLst>
 </p:presentation>
@@ -292,7 +295,7 @@
         <p15:threadingInfo xmlns:p15="http://schemas.microsoft.com/office/powerpoint/2012/main" timeZoneBias="0"/>
       </p:ext>
       <p:ext uri="http://customooxmlschemas.google.com/">
-        <go:slidesCustomData xmlns:go="http://customooxmlschemas.google.com/" xmlns:ahyp="http://schemas.microsoft.com/office/drawing/2018/hyperlinkcolor" xmlns:p15="http://schemas.microsoft.com/office/powerpoint/2012/main" xmlns:p14="http://schemas.microsoft.com/office/powerpoint/2010/main" xmlns:com="http://schemas.openxmlformats.org/drawingml/2006/compatibility" xmlns:pvml="urn:schemas-microsoft-com:office:powerpoint" xmlns:v="urn:schemas-microsoft-com:vml" xmlns:o="urn:schemas-microsoft-com:office:office" xmlns:dgm="http://schemas.openxmlformats.org/drawingml/2006/diagram" xmlns:c="http://schemas.openxmlformats.org/drawingml/2006/chart" xmlns:mv="urn:schemas-microsoft-com:mac:vml" xmlns:mc="http://schemas.openxmlformats.org/markup-compatibility/2006" xmlns="" commentPostId="AAAAMii5q1k"/>
+        <go:slidesCustomData xmlns="" xmlns:mc="http://schemas.openxmlformats.org/markup-compatibility/2006" xmlns:mv="urn:schemas-microsoft-com:mac:vml" xmlns:c="http://schemas.openxmlformats.org/drawingml/2006/chart" xmlns:dgm="http://schemas.openxmlformats.org/drawingml/2006/diagram" xmlns:o="urn:schemas-microsoft-com:office:office" xmlns:v="urn:schemas-microsoft-com:vml" xmlns:pvml="urn:schemas-microsoft-com:office:powerpoint" xmlns:com="http://schemas.openxmlformats.org/drawingml/2006/compatibility" xmlns:p14="http://schemas.microsoft.com/office/powerpoint/2010/main" xmlns:p15="http://schemas.microsoft.com/office/powerpoint/2012/main" xmlns:ahyp="http://schemas.microsoft.com/office/drawing/2018/hyperlinkcolor" xmlns:go="http://customooxmlschemas.google.com/" commentPostId="AAAAMii5q1k"/>
       </p:ext>
     </p:extLst>
   </p:cm>
@@ -309,7 +312,7 @@
         <p15:threadingInfo xmlns:p15="http://schemas.microsoft.com/office/powerpoint/2012/main" timeZoneBias="0"/>
       </p:ext>
       <p:ext uri="http://customooxmlschemas.google.com/">
-        <go:slidesCustomData xmlns:go="http://customooxmlschemas.google.com/" xmlns:ahyp="http://schemas.microsoft.com/office/drawing/2018/hyperlinkcolor" xmlns:p15="http://schemas.microsoft.com/office/powerpoint/2012/main" xmlns:p14="http://schemas.microsoft.com/office/powerpoint/2010/main" xmlns:com="http://schemas.openxmlformats.org/drawingml/2006/compatibility" xmlns:pvml="urn:schemas-microsoft-com:office:powerpoint" xmlns:v="urn:schemas-microsoft-com:vml" xmlns:o="urn:schemas-microsoft-com:office:office" xmlns:dgm="http://schemas.openxmlformats.org/drawingml/2006/diagram" xmlns:c="http://schemas.openxmlformats.org/drawingml/2006/chart" xmlns:mv="urn:schemas-microsoft-com:mac:vml" xmlns:mc="http://schemas.openxmlformats.org/markup-compatibility/2006" xmlns="" commentPostId="AAAAMii5q14"/>
+        <go:slidesCustomData xmlns="" xmlns:mc="http://schemas.openxmlformats.org/markup-compatibility/2006" xmlns:mv="urn:schemas-microsoft-com:mac:vml" xmlns:c="http://schemas.openxmlformats.org/drawingml/2006/chart" xmlns:dgm="http://schemas.openxmlformats.org/drawingml/2006/diagram" xmlns:o="urn:schemas-microsoft-com:office:office" xmlns:v="urn:schemas-microsoft-com:vml" xmlns:pvml="urn:schemas-microsoft-com:office:powerpoint" xmlns:com="http://schemas.openxmlformats.org/drawingml/2006/compatibility" xmlns:p14="http://schemas.microsoft.com/office/powerpoint/2010/main" xmlns:p15="http://schemas.microsoft.com/office/powerpoint/2012/main" xmlns:ahyp="http://schemas.microsoft.com/office/drawing/2018/hyperlinkcolor" xmlns:go="http://customooxmlschemas.google.com/" commentPostId="AAAAMii5q14"/>
       </p:ext>
     </p:extLst>
   </p:cm>
@@ -326,7 +329,7 @@
         <p15:threadingInfo xmlns:p15="http://schemas.microsoft.com/office/powerpoint/2012/main" timeZoneBias="0"/>
       </p:ext>
       <p:ext uri="http://customooxmlschemas.google.com/">
-        <go:slidesCustomData xmlns:go="http://customooxmlschemas.google.com/" xmlns:ahyp="http://schemas.microsoft.com/office/drawing/2018/hyperlinkcolor" xmlns:p15="http://schemas.microsoft.com/office/powerpoint/2012/main" xmlns:p14="http://schemas.microsoft.com/office/powerpoint/2010/main" xmlns:com="http://schemas.openxmlformats.org/drawingml/2006/compatibility" xmlns:pvml="urn:schemas-microsoft-com:office:powerpoint" xmlns:v="urn:schemas-microsoft-com:vml" xmlns:o="urn:schemas-microsoft-com:office:office" xmlns:dgm="http://schemas.openxmlformats.org/drawingml/2006/diagram" xmlns:c="http://schemas.openxmlformats.org/drawingml/2006/chart" xmlns:mv="urn:schemas-microsoft-com:mac:vml" xmlns:mc="http://schemas.openxmlformats.org/markup-compatibility/2006" xmlns="" commentPostId="AAAAMii5q1g"/>
+        <go:slidesCustomData xmlns="" xmlns:mc="http://schemas.openxmlformats.org/markup-compatibility/2006" xmlns:mv="urn:schemas-microsoft-com:mac:vml" xmlns:c="http://schemas.openxmlformats.org/drawingml/2006/chart" xmlns:dgm="http://schemas.openxmlformats.org/drawingml/2006/diagram" xmlns:o="urn:schemas-microsoft-com:office:office" xmlns:v="urn:schemas-microsoft-com:vml" xmlns:pvml="urn:schemas-microsoft-com:office:powerpoint" xmlns:com="http://schemas.openxmlformats.org/drawingml/2006/compatibility" xmlns:p14="http://schemas.microsoft.com/office/powerpoint/2010/main" xmlns:p15="http://schemas.microsoft.com/office/powerpoint/2012/main" xmlns:ahyp="http://schemas.microsoft.com/office/drawing/2018/hyperlinkcolor" xmlns:go="http://customooxmlschemas.google.com/" commentPostId="AAAAMii5q1g"/>
       </p:ext>
     </p:extLst>
   </p:cm>
@@ -343,7 +346,7 @@
         <p15:threadingInfo xmlns:p15="http://schemas.microsoft.com/office/powerpoint/2012/main" timeZoneBias="0"/>
       </p:ext>
       <p:ext uri="http://customooxmlschemas.google.com/">
-        <go:slidesCustomData xmlns:go="http://customooxmlschemas.google.com/" xmlns:ahyp="http://schemas.microsoft.com/office/drawing/2018/hyperlinkcolor" xmlns:p15="http://schemas.microsoft.com/office/powerpoint/2012/main" xmlns:p14="http://schemas.microsoft.com/office/powerpoint/2010/main" xmlns:com="http://schemas.openxmlformats.org/drawingml/2006/compatibility" xmlns:pvml="urn:schemas-microsoft-com:office:powerpoint" xmlns:v="urn:schemas-microsoft-com:vml" xmlns:o="urn:schemas-microsoft-com:office:office" xmlns:dgm="http://schemas.openxmlformats.org/drawingml/2006/diagram" xmlns:c="http://schemas.openxmlformats.org/drawingml/2006/chart" xmlns:mv="urn:schemas-microsoft-com:mac:vml" xmlns:mc="http://schemas.openxmlformats.org/markup-compatibility/2006" xmlns="" commentPostId="AAAAMii5q1o"/>
+        <go:slidesCustomData xmlns="" xmlns:mc="http://schemas.openxmlformats.org/markup-compatibility/2006" xmlns:mv="urn:schemas-microsoft-com:mac:vml" xmlns:c="http://schemas.openxmlformats.org/drawingml/2006/chart" xmlns:dgm="http://schemas.openxmlformats.org/drawingml/2006/diagram" xmlns:o="urn:schemas-microsoft-com:office:office" xmlns:v="urn:schemas-microsoft-com:vml" xmlns:pvml="urn:schemas-microsoft-com:office:powerpoint" xmlns:com="http://schemas.openxmlformats.org/drawingml/2006/compatibility" xmlns:p14="http://schemas.microsoft.com/office/powerpoint/2010/main" xmlns:p15="http://schemas.microsoft.com/office/powerpoint/2012/main" xmlns:ahyp="http://schemas.microsoft.com/office/drawing/2018/hyperlinkcolor" xmlns:go="http://customooxmlschemas.google.com/" commentPostId="AAAAMii5q1o"/>
       </p:ext>
     </p:extLst>
   </p:cm>
@@ -362,7 +365,7 @@
         <p15:threadingInfo xmlns:p15="http://schemas.microsoft.com/office/powerpoint/2012/main" timeZoneBias="0"/>
       </p:ext>
       <p:ext uri="http://customooxmlschemas.google.com/">
-        <go:slidesCustomData xmlns:go="http://customooxmlschemas.google.com/" xmlns:ahyp="http://schemas.microsoft.com/office/drawing/2018/hyperlinkcolor" xmlns:p15="http://schemas.microsoft.com/office/powerpoint/2012/main" xmlns:p14="http://schemas.microsoft.com/office/powerpoint/2010/main" xmlns:com="http://schemas.openxmlformats.org/drawingml/2006/compatibility" xmlns:pvml="urn:schemas-microsoft-com:office:powerpoint" xmlns:v="urn:schemas-microsoft-com:vml" xmlns:o="urn:schemas-microsoft-com:office:office" xmlns:dgm="http://schemas.openxmlformats.org/drawingml/2006/diagram" xmlns:c="http://schemas.openxmlformats.org/drawingml/2006/chart" xmlns:mv="urn:schemas-microsoft-com:mac:vml" xmlns:mc="http://schemas.openxmlformats.org/markup-compatibility/2006" xmlns="" commentPostId="AAAAMii5q10"/>
+        <go:slidesCustomData xmlns="" xmlns:mc="http://schemas.openxmlformats.org/markup-compatibility/2006" xmlns:mv="urn:schemas-microsoft-com:mac:vml" xmlns:c="http://schemas.openxmlformats.org/drawingml/2006/chart" xmlns:dgm="http://schemas.openxmlformats.org/drawingml/2006/diagram" xmlns:o="urn:schemas-microsoft-com:office:office" xmlns:v="urn:schemas-microsoft-com:vml" xmlns:pvml="urn:schemas-microsoft-com:office:powerpoint" xmlns:com="http://schemas.openxmlformats.org/drawingml/2006/compatibility" xmlns:p14="http://schemas.microsoft.com/office/powerpoint/2010/main" xmlns:p15="http://schemas.microsoft.com/office/powerpoint/2012/main" xmlns:ahyp="http://schemas.microsoft.com/office/drawing/2018/hyperlinkcolor" xmlns:go="http://customooxmlschemas.google.com/" commentPostId="AAAAMii5q10"/>
       </p:ext>
     </p:extLst>
   </p:cm>
@@ -380,7 +383,7 @@
         <p15:threadingInfo xmlns:p15="http://schemas.microsoft.com/office/powerpoint/2012/main" timeZoneBias="0"/>
       </p:ext>
       <p:ext uri="http://customooxmlschemas.google.com/">
-        <go:slidesCustomData xmlns:go="http://customooxmlschemas.google.com/" xmlns:ahyp="http://schemas.microsoft.com/office/drawing/2018/hyperlinkcolor" xmlns:p15="http://schemas.microsoft.com/office/powerpoint/2012/main" xmlns:p14="http://schemas.microsoft.com/office/powerpoint/2010/main" xmlns:com="http://schemas.openxmlformats.org/drawingml/2006/compatibility" xmlns:pvml="urn:schemas-microsoft-com:office:powerpoint" xmlns:v="urn:schemas-microsoft-com:vml" xmlns:o="urn:schemas-microsoft-com:office:office" xmlns:dgm="http://schemas.openxmlformats.org/drawingml/2006/diagram" xmlns:c="http://schemas.openxmlformats.org/drawingml/2006/chart" xmlns:mv="urn:schemas-microsoft-com:mac:vml" xmlns:mc="http://schemas.openxmlformats.org/markup-compatibility/2006" xmlns="" commentPostId="AAAAMii5q1Y"/>
+        <go:slidesCustomData xmlns="" xmlns:mc="http://schemas.openxmlformats.org/markup-compatibility/2006" xmlns:mv="urn:schemas-microsoft-com:mac:vml" xmlns:c="http://schemas.openxmlformats.org/drawingml/2006/chart" xmlns:dgm="http://schemas.openxmlformats.org/drawingml/2006/diagram" xmlns:o="urn:schemas-microsoft-com:office:office" xmlns:v="urn:schemas-microsoft-com:vml" xmlns:pvml="urn:schemas-microsoft-com:office:powerpoint" xmlns:com="http://schemas.openxmlformats.org/drawingml/2006/compatibility" xmlns:p14="http://schemas.microsoft.com/office/powerpoint/2010/main" xmlns:p15="http://schemas.microsoft.com/office/powerpoint/2012/main" xmlns:ahyp="http://schemas.microsoft.com/office/drawing/2018/hyperlinkcolor" xmlns:go="http://customooxmlschemas.google.com/" commentPostId="AAAAMii5q1Y"/>
       </p:ext>
     </p:extLst>
   </p:cm>
@@ -397,7 +400,7 @@
         <p15:threadingInfo xmlns:p15="http://schemas.microsoft.com/office/powerpoint/2012/main" timeZoneBias="0"/>
       </p:ext>
       <p:ext uri="http://customooxmlschemas.google.com/">
-        <go:slidesCustomData xmlns:go="http://customooxmlschemas.google.com/" xmlns:ahyp="http://schemas.microsoft.com/office/drawing/2018/hyperlinkcolor" xmlns:p15="http://schemas.microsoft.com/office/powerpoint/2012/main" xmlns:p14="http://schemas.microsoft.com/office/powerpoint/2010/main" xmlns:com="http://schemas.openxmlformats.org/drawingml/2006/compatibility" xmlns:pvml="urn:schemas-microsoft-com:office:powerpoint" xmlns:v="urn:schemas-microsoft-com:vml" xmlns:o="urn:schemas-microsoft-com:office:office" xmlns:dgm="http://schemas.openxmlformats.org/drawingml/2006/diagram" xmlns:c="http://schemas.openxmlformats.org/drawingml/2006/chart" xmlns:mv="urn:schemas-microsoft-com:mac:vml" xmlns:mc="http://schemas.openxmlformats.org/markup-compatibility/2006" xmlns="" commentPostId="AAAAMii5q1s"/>
+        <go:slidesCustomData xmlns="" xmlns:mc="http://schemas.openxmlformats.org/markup-compatibility/2006" xmlns:mv="urn:schemas-microsoft-com:mac:vml" xmlns:c="http://schemas.openxmlformats.org/drawingml/2006/chart" xmlns:dgm="http://schemas.openxmlformats.org/drawingml/2006/diagram" xmlns:o="urn:schemas-microsoft-com:office:office" xmlns:v="urn:schemas-microsoft-com:vml" xmlns:pvml="urn:schemas-microsoft-com:office:powerpoint" xmlns:com="http://schemas.openxmlformats.org/drawingml/2006/compatibility" xmlns:p14="http://schemas.microsoft.com/office/powerpoint/2010/main" xmlns:p15="http://schemas.microsoft.com/office/powerpoint/2012/main" xmlns:ahyp="http://schemas.microsoft.com/office/drawing/2018/hyperlinkcolor" xmlns:go="http://customooxmlschemas.google.com/" commentPostId="AAAAMii5q1s"/>
       </p:ext>
     </p:extLst>
   </p:cm>
@@ -411,7 +414,7 @@
         </p15:threadingInfo>
       </p:ext>
       <p:ext uri="http://customooxmlschemas.google.com/">
-        <go:slidesCustomData xmlns:go="http://customooxmlschemas.google.com/" xmlns:ahyp="http://schemas.microsoft.com/office/drawing/2018/hyperlinkcolor" xmlns:p15="http://schemas.microsoft.com/office/powerpoint/2012/main" xmlns:p14="http://schemas.microsoft.com/office/powerpoint/2010/main" xmlns:com="http://schemas.openxmlformats.org/drawingml/2006/compatibility" xmlns:pvml="urn:schemas-microsoft-com:office:powerpoint" xmlns:v="urn:schemas-microsoft-com:vml" xmlns:o="urn:schemas-microsoft-com:office:office" xmlns:dgm="http://schemas.openxmlformats.org/drawingml/2006/diagram" xmlns:c="http://schemas.openxmlformats.org/drawingml/2006/chart" xmlns:mv="urn:schemas-microsoft-com:mac:vml" xmlns:mc="http://schemas.openxmlformats.org/markup-compatibility/2006" xmlns="" commentPostId="AAAAMii5q1w"/>
+        <go:slidesCustomData xmlns="" xmlns:mc="http://schemas.openxmlformats.org/markup-compatibility/2006" xmlns:mv="urn:schemas-microsoft-com:mac:vml" xmlns:c="http://schemas.openxmlformats.org/drawingml/2006/chart" xmlns:dgm="http://schemas.openxmlformats.org/drawingml/2006/diagram" xmlns:o="urn:schemas-microsoft-com:office:office" xmlns:v="urn:schemas-microsoft-com:vml" xmlns:pvml="urn:schemas-microsoft-com:office:powerpoint" xmlns:com="http://schemas.openxmlformats.org/drawingml/2006/compatibility" xmlns:p14="http://schemas.microsoft.com/office/powerpoint/2010/main" xmlns:p15="http://schemas.microsoft.com/office/powerpoint/2012/main" xmlns:ahyp="http://schemas.microsoft.com/office/drawing/2018/hyperlinkcolor" xmlns:go="http://customooxmlschemas.google.com/" commentPostId="AAAAMii5q1w"/>
       </p:ext>
     </p:extLst>
   </p:cm>
@@ -428,7 +431,7 @@
         <p15:threadingInfo xmlns:p15="http://schemas.microsoft.com/office/powerpoint/2012/main" timeZoneBias="0"/>
       </p:ext>
       <p:ext uri="http://customooxmlschemas.google.com/">
-        <go:slidesCustomData xmlns:go="http://customooxmlschemas.google.com/" xmlns:ahyp="http://schemas.microsoft.com/office/drawing/2018/hyperlinkcolor" xmlns:p15="http://schemas.microsoft.com/office/powerpoint/2012/main" xmlns:p14="http://schemas.microsoft.com/office/powerpoint/2010/main" xmlns:com="http://schemas.openxmlformats.org/drawingml/2006/compatibility" xmlns:pvml="urn:schemas-microsoft-com:office:powerpoint" xmlns:v="urn:schemas-microsoft-com:vml" xmlns:o="urn:schemas-microsoft-com:office:office" xmlns:dgm="http://schemas.openxmlformats.org/drawingml/2006/diagram" xmlns:c="http://schemas.openxmlformats.org/drawingml/2006/chart" xmlns:mv="urn:schemas-microsoft-com:mac:vml" xmlns:mc="http://schemas.openxmlformats.org/markup-compatibility/2006" xmlns="" commentPostId="AAAAMii5q1c"/>
+        <go:slidesCustomData xmlns="" xmlns:mc="http://schemas.openxmlformats.org/markup-compatibility/2006" xmlns:mv="urn:schemas-microsoft-com:mac:vml" xmlns:c="http://schemas.openxmlformats.org/drawingml/2006/chart" xmlns:dgm="http://schemas.openxmlformats.org/drawingml/2006/diagram" xmlns:o="urn:schemas-microsoft-com:office:office" xmlns:v="urn:schemas-microsoft-com:vml" xmlns:pvml="urn:schemas-microsoft-com:office:powerpoint" xmlns:com="http://schemas.openxmlformats.org/drawingml/2006/compatibility" xmlns:p14="http://schemas.microsoft.com/office/powerpoint/2010/main" xmlns:p15="http://schemas.microsoft.com/office/powerpoint/2012/main" xmlns:ahyp="http://schemas.microsoft.com/office/drawing/2018/hyperlinkcolor" xmlns:go="http://customooxmlschemas.google.com/" commentPostId="AAAAMii5q1c"/>
       </p:ext>
     </p:extLst>
   </p:cm>
@@ -445,7 +448,7 @@
         <p15:threadingInfo xmlns:p15="http://schemas.microsoft.com/office/powerpoint/2012/main" timeZoneBias="0"/>
       </p:ext>
       <p:ext uri="http://customooxmlschemas.google.com/">
-        <go:slidesCustomData xmlns:go="http://customooxmlschemas.google.com/" xmlns:ahyp="http://schemas.microsoft.com/office/drawing/2018/hyperlinkcolor" xmlns:p15="http://schemas.microsoft.com/office/powerpoint/2012/main" xmlns:p14="http://schemas.microsoft.com/office/powerpoint/2010/main" xmlns:com="http://schemas.openxmlformats.org/drawingml/2006/compatibility" xmlns:pvml="urn:schemas-microsoft-com:office:powerpoint" xmlns:v="urn:schemas-microsoft-com:vml" xmlns:o="urn:schemas-microsoft-com:office:office" xmlns:dgm="http://schemas.openxmlformats.org/drawingml/2006/diagram" xmlns:c="http://schemas.openxmlformats.org/drawingml/2006/chart" xmlns:mv="urn:schemas-microsoft-com:mac:vml" xmlns:mc="http://schemas.openxmlformats.org/markup-compatibility/2006" xmlns="" commentPostId="AAAAMii5q18"/>
+        <go:slidesCustomData xmlns="" xmlns:mc="http://schemas.openxmlformats.org/markup-compatibility/2006" xmlns:mv="urn:schemas-microsoft-com:mac:vml" xmlns:c="http://schemas.openxmlformats.org/drawingml/2006/chart" xmlns:dgm="http://schemas.openxmlformats.org/drawingml/2006/diagram" xmlns:o="urn:schemas-microsoft-com:office:office" xmlns:v="urn:schemas-microsoft-com:vml" xmlns:pvml="urn:schemas-microsoft-com:office:powerpoint" xmlns:com="http://schemas.openxmlformats.org/drawingml/2006/compatibility" xmlns:p14="http://schemas.microsoft.com/office/powerpoint/2010/main" xmlns:p15="http://schemas.microsoft.com/office/powerpoint/2012/main" xmlns:ahyp="http://schemas.microsoft.com/office/drawing/2018/hyperlinkcolor" xmlns:go="http://customooxmlschemas.google.com/" commentPostId="AAAAMii5q18"/>
       </p:ext>
     </p:extLst>
   </p:cm>
@@ -2936,8 +2939,8 @@
         </p:nvSpPr>
         <p:spPr>
           <a:xfrm>
-            <a:off x="1143225" y="685800"/>
-            <a:ext cx="4572225" cy="3429000"/>
+            <a:off x="381000" y="685800"/>
+            <a:ext cx="6096000" cy="3429000"/>
           </a:xfrm>
           <a:custGeom>
             <a:avLst/>
@@ -22862,7 +22865,7 @@
             </a:pPr>
             <a:r>
               <a:rPr lang="en-US"/>
-              <a:t>@RequestParam extract values from the query string. @PathVariable exact value from the URL path. Most suitable for the RESTFul Web Service.</a:t>
+              <a:t>@RequestParam extracts values from the query string. @PathVariable extracts value from the URL path. Most suitable for the RESTFul Web Service.</a:t>
             </a:r>
             <a:endParaRPr/>
           </a:p>
@@ -22944,7 +22947,7 @@
             </a:pPr>
             <a:r>
               <a:rPr lang="en-US"/>
-              <a:t>And for RequestParam: known as query parameter. It can specify default values if the query params is not present in the URL. </a:t>
+              <a:t>And for RequestParam: known as query parameter. It can specify default values if the query parameters are not present in the URL. </a:t>
             </a:r>
             <a:endParaRPr/>
           </a:p>
